--- a/Permutations and Combinations/Permutations, Combinations, and Zombies.pptx
+++ b/Permutations and Combinations/Permutations, Combinations, and Zombies.pptx
@@ -22,6 +22,7 @@
     <p:sldId id="267" r:id="rId17"/>
     <p:sldId id="268" r:id="rId18"/>
     <p:sldId id="269" r:id="rId19"/>
+    <p:sldId id="270" r:id="rId20"/>
   </p:sldIdLst>
   <p:sldSz cy="5143500" cx="9144000"/>
   <p:notesSz cx="6858000" cy="9144000"/>
@@ -1213,7 +1214,7 @@
       </p:grpSpPr>
       <p:sp>
         <p:nvSpPr>
-          <p:cNvPr id="136" name="Google Shape;136;g6579b27752_0_72:notes"/>
+          <p:cNvPr id="136" name="Google Shape;136;g6579b27752_0_85:notes"/>
           <p:cNvSpPr/>
           <p:nvPr>
             <p:ph idx="2" type="sldImg"/>
@@ -1248,7 +1249,106 @@
       </p:sp>
       <p:sp>
         <p:nvSpPr>
-          <p:cNvPr id="137" name="Google Shape;137;g6579b27752_0_72:notes"/>
+          <p:cNvPr id="137" name="Google Shape;137;g6579b27752_0_85:notes"/>
+          <p:cNvSpPr txBox="1"/>
+          <p:nvPr>
+            <p:ph idx="1" type="body"/>
+          </p:nvPr>
+        </p:nvSpPr>
+        <p:spPr>
+          <a:xfrm>
+            <a:off x="685800" y="4343400"/>
+            <a:ext cx="5486400" cy="4114800"/>
+          </a:xfrm>
+          <a:prstGeom prst="rect">
+            <a:avLst/>
+          </a:prstGeom>
+        </p:spPr>
+        <p:txBody>
+          <a:bodyPr anchorCtr="0" anchor="t" bIns="91425" lIns="91425" spcFirstLastPara="1" rIns="91425" wrap="square" tIns="91425">
+            <a:noAutofit/>
+          </a:bodyPr>
+          <a:lstStyle/>
+          <a:p>
+            <a:pPr indent="0" lvl="0" marL="0" rtl="0" algn="l">
+              <a:spcBef>
+                <a:spcPts val="0"/>
+              </a:spcBef>
+              <a:spcAft>
+                <a:spcPts val="0"/>
+              </a:spcAft>
+              <a:buNone/>
+            </a:pPr>
+            <a:r>
+              <a:t/>
+            </a:r>
+            <a:endParaRPr/>
+          </a:p>
+        </p:txBody>
+      </p:sp>
+    </p:spTree>
+  </p:cSld>
+  <p:clrMapOvr>
+    <a:masterClrMapping/>
+  </p:clrMapOvr>
+</p:notes>
+</file>
+
+<file path=ppt/notesSlides/notesSlide15.xml><?xml version="1.0" encoding="utf-8"?>
+<p:notes xmlns:a="http://schemas.openxmlformats.org/drawingml/2006/main" xmlns:r="http://schemas.openxmlformats.org/officeDocument/2006/relationships" xmlns:mc="http://schemas.openxmlformats.org/markup-compatibility/2006" xmlns:mv="urn:schemas-microsoft-com:mac:vml" xmlns:p="http://schemas.openxmlformats.org/presentationml/2006/main" xmlns:c="http://schemas.openxmlformats.org/drawingml/2006/chart" xmlns:dgm="http://schemas.openxmlformats.org/drawingml/2006/diagram" xmlns:o="urn:schemas-microsoft-com:office:office" xmlns:v="urn:schemas-microsoft-com:vml" xmlns:pvml="urn:schemas-microsoft-com:office:powerpoint" xmlns:com="http://schemas.openxmlformats.org/drawingml/2006/compatibility" xmlns:p14="http://schemas.microsoft.com/office/powerpoint/2010/main" xmlns:p15="http://schemas.microsoft.com/office/powerpoint/2012/main" showMasterPhAnim="0" showMasterSp="0">
+  <p:cSld>
+    <p:spTree>
+      <p:nvGrpSpPr>
+        <p:cNvPr id="142" name="Shape 142"/>
+        <p:cNvGrpSpPr/>
+        <p:nvPr/>
+      </p:nvGrpSpPr>
+      <p:grpSpPr>
+        <a:xfrm>
+          <a:off x="0" y="0"/>
+          <a:ext cx="0" cy="0"/>
+          <a:chOff x="0" y="0"/>
+          <a:chExt cx="0" cy="0"/>
+        </a:xfrm>
+      </p:grpSpPr>
+      <p:sp>
+        <p:nvSpPr>
+          <p:cNvPr id="143" name="Google Shape;143;g6579b27752_0_72:notes"/>
+          <p:cNvSpPr/>
+          <p:nvPr>
+            <p:ph idx="2" type="sldImg"/>
+          </p:nvPr>
+        </p:nvSpPr>
+        <p:spPr>
+          <a:xfrm>
+            <a:off x="381300" y="685800"/>
+            <a:ext cx="6096000" cy="3429000"/>
+          </a:xfrm>
+          <a:custGeom>
+            <a:rect b="b" l="l" r="r" t="t"/>
+            <a:pathLst>
+              <a:path extrusionOk="0" h="120000" w="120000">
+                <a:moveTo>
+                  <a:pt x="0" y="0"/>
+                </a:moveTo>
+                <a:lnTo>
+                  <a:pt x="120000" y="0"/>
+                </a:lnTo>
+                <a:lnTo>
+                  <a:pt x="120000" y="120000"/>
+                </a:lnTo>
+                <a:lnTo>
+                  <a:pt x="0" y="120000"/>
+                </a:lnTo>
+                <a:close/>
+              </a:path>
+            </a:pathLst>
+          </a:custGeom>
+        </p:spPr>
+      </p:sp>
+      <p:sp>
+        <p:nvSpPr>
+          <p:cNvPr id="144" name="Google Shape;144;g6579b27752_0_72:notes"/>
           <p:cNvSpPr txBox="1"/>
           <p:nvPr>
             <p:ph idx="1" type="body"/>
@@ -7368,7 +7468,7 @@
             </a:pPr>
             <a:r>
               <a:rPr lang="en"/>
-              <a:t>What’s the probability of getting four of a kind? </a:t>
+              <a:t>What’s the probability of getting Four of a Kind? </a:t>
             </a:r>
             <a:endParaRPr/>
           </a:p>
@@ -7609,8 +7709,8 @@
         </p:nvSpPr>
         <p:spPr>
           <a:xfrm>
-            <a:off x="311700" y="103025"/>
-            <a:ext cx="4260300" cy="572700"/>
+            <a:off x="311700" y="445025"/>
+            <a:ext cx="8520600" cy="572700"/>
           </a:xfrm>
           <a:prstGeom prst="rect">
             <a:avLst/>
@@ -7633,7 +7733,7 @@
             </a:pPr>
             <a:r>
               <a:rPr lang="en"/>
-              <a:t>What’s the probability of getting two pairs? </a:t>
+              <a:t>What’s the probability of Three of a Kind?</a:t>
             </a:r>
             <a:endParaRPr/>
           </a:p>
@@ -7650,7 +7750,7 @@
         <p:spPr>
           <a:xfrm>
             <a:off x="311700" y="1152475"/>
-            <a:ext cx="4260300" cy="3416400"/>
+            <a:ext cx="8520600" cy="3416400"/>
           </a:xfrm>
           <a:prstGeom prst="rect">
             <a:avLst/>
@@ -7662,12 +7762,292 @@
           </a:bodyPr>
           <a:lstStyle/>
           <a:p>
+            <a:pPr indent="-342900" lvl="0" marL="457200" rtl="0" algn="l">
+              <a:spcBef>
+                <a:spcPts val="0"/>
+              </a:spcBef>
+              <a:spcAft>
+                <a:spcPts val="0"/>
+              </a:spcAft>
+              <a:buSzPts val="1800"/>
+              <a:buChar char="●"/>
+            </a:pPr>
+            <a:r>
+              <a:rPr lang="en"/>
+              <a:t>Choose a value, grab three of the four.</a:t>
+            </a:r>
+            <a:endParaRPr/>
+          </a:p>
+          <a:p>
+            <a:pPr indent="-342900" lvl="0" marL="457200" rtl="0" algn="l">
+              <a:spcBef>
+                <a:spcPts val="0"/>
+              </a:spcBef>
+              <a:spcAft>
+                <a:spcPts val="0"/>
+              </a:spcAft>
+              <a:buSzPts val="1800"/>
+              <a:buChar char="●"/>
+            </a:pPr>
+            <a:r>
+              <a:rPr lang="en"/>
+              <a:t>Choose two other values, grab suits for them.</a:t>
+            </a:r>
+            <a:endParaRPr/>
+          </a:p>
+          <a:p>
+            <a:pPr indent="-342900" lvl="0" marL="457200" rtl="0" algn="l">
+              <a:spcBef>
+                <a:spcPts val="0"/>
+              </a:spcBef>
+              <a:spcAft>
+                <a:spcPts val="0"/>
+              </a:spcAft>
+              <a:buSzPts val="1800"/>
+              <a:buChar char="●"/>
+            </a:pPr>
+            <a:r>
+              <a:rPr lang="en"/>
+              <a:t>This comes out to 54,912</a:t>
+            </a:r>
+            <a:endParaRPr/>
+          </a:p>
+          <a:p>
+            <a:pPr indent="-342900" lvl="0" marL="457200" rtl="0" algn="l">
+              <a:spcBef>
+                <a:spcPts val="0"/>
+              </a:spcBef>
+              <a:spcAft>
+                <a:spcPts val="0"/>
+              </a:spcAft>
+              <a:buSzPts val="1800"/>
+              <a:buChar char="●"/>
+            </a:pPr>
+            <a:r>
+              <a:rPr lang="en"/>
+              <a:t> 54,912/</a:t>
+            </a:r>
+            <a:r>
+              <a:rPr lang="en"/>
+              <a:t>1,598,9604 = </a:t>
+            </a:r>
+            <a:r>
+              <a:rPr lang="en">
+                <a:highlight>
+                  <a:srgbClr val="FFFFFF"/>
+                </a:highlight>
+              </a:rPr>
+              <a:t>0.00343423139</a:t>
+            </a:r>
+            <a:endParaRPr/>
+          </a:p>
+        </p:txBody>
+      </p:sp>
+      <p:pic>
+        <p:nvPicPr>
+          <p:cNvPr id="141" name="Google Shape;141;p26"/>
+          <p:cNvPicPr preferRelativeResize="0"/>
+          <p:nvPr/>
+        </p:nvPicPr>
+        <p:blipFill>
+          <a:blip r:embed="rId3">
+            <a:alphaModFix/>
+          </a:blip>
+          <a:stretch>
+            <a:fillRect/>
+          </a:stretch>
+        </p:blipFill>
+        <p:spPr>
+          <a:xfrm>
+            <a:off x="779025" y="2610475"/>
+            <a:ext cx="3409950" cy="1485900"/>
+          </a:xfrm>
+          <a:prstGeom prst="rect">
+            <a:avLst/>
+          </a:prstGeom>
+          <a:noFill/>
+          <a:ln>
+            <a:noFill/>
+          </a:ln>
+        </p:spPr>
+      </p:pic>
+    </p:spTree>
+  </p:cSld>
+  <p:clrMapOvr>
+    <a:masterClrMapping/>
+  </p:clrMapOvr>
+</p:sld>
+</file>
+
+<file path=ppt/slides/slide15.xml><?xml version="1.0" encoding="utf-8"?>
+<p:sld xmlns:a="http://schemas.openxmlformats.org/drawingml/2006/main" xmlns:r="http://schemas.openxmlformats.org/officeDocument/2006/relationships" xmlns:mc="http://schemas.openxmlformats.org/markup-compatibility/2006" xmlns:mv="urn:schemas-microsoft-com:mac:vml" xmlns:p="http://schemas.openxmlformats.org/presentationml/2006/main" xmlns:c="http://schemas.openxmlformats.org/drawingml/2006/chart" xmlns:dgm="http://schemas.openxmlformats.org/drawingml/2006/diagram" xmlns:o="urn:schemas-microsoft-com:office:office" xmlns:v="urn:schemas-microsoft-com:vml" xmlns:pvml="urn:schemas-microsoft-com:office:powerpoint" xmlns:com="http://schemas.openxmlformats.org/drawingml/2006/compatibility" xmlns:p14="http://schemas.microsoft.com/office/powerpoint/2010/main" xmlns:p15="http://schemas.microsoft.com/office/powerpoint/2012/main">
+  <p:cSld>
+    <p:spTree>
+      <p:nvGrpSpPr>
+        <p:cNvPr id="145" name="Shape 145"/>
+        <p:cNvGrpSpPr/>
+        <p:nvPr/>
+      </p:nvGrpSpPr>
+      <p:grpSpPr>
+        <a:xfrm>
+          <a:off x="0" y="0"/>
+          <a:ext cx="0" cy="0"/>
+          <a:chOff x="0" y="0"/>
+          <a:chExt cx="0" cy="0"/>
+        </a:xfrm>
+      </p:grpSpPr>
+      <p:sp>
+        <p:nvSpPr>
+          <p:cNvPr id="146" name="Google Shape;146;p27"/>
+          <p:cNvSpPr txBox="1"/>
+          <p:nvPr>
+            <p:ph type="title"/>
+          </p:nvPr>
+        </p:nvSpPr>
+        <p:spPr>
+          <a:xfrm>
+            <a:off x="311700" y="103025"/>
+            <a:ext cx="4260300" cy="572700"/>
+          </a:xfrm>
+          <a:prstGeom prst="rect">
+            <a:avLst/>
+          </a:prstGeom>
+        </p:spPr>
+        <p:txBody>
+          <a:bodyPr anchorCtr="0" anchor="t" bIns="91425" lIns="91425" spcFirstLastPara="1" rIns="91425" wrap="square" tIns="91425">
+            <a:noAutofit/>
+          </a:bodyPr>
+          <a:lstStyle/>
+          <a:p>
             <a:pPr indent="0" lvl="0" marL="0" rtl="0" algn="l">
               <a:spcBef>
                 <a:spcPts val="0"/>
               </a:spcBef>
               <a:spcAft>
+                <a:spcPts val="0"/>
+              </a:spcAft>
+              <a:buNone/>
+            </a:pPr>
+            <a:r>
+              <a:rPr lang="en"/>
+              <a:t>What’s the probability of getting two pairs? </a:t>
+            </a:r>
+            <a:endParaRPr/>
+          </a:p>
+        </p:txBody>
+      </p:sp>
+      <p:sp>
+        <p:nvSpPr>
+          <p:cNvPr id="147" name="Google Shape;147;p27"/>
+          <p:cNvSpPr txBox="1"/>
+          <p:nvPr>
+            <p:ph idx="1" type="body"/>
+          </p:nvPr>
+        </p:nvSpPr>
+        <p:spPr>
+          <a:xfrm>
+            <a:off x="311700" y="1152475"/>
+            <a:ext cx="4260300" cy="3416400"/>
+          </a:xfrm>
+          <a:prstGeom prst="rect">
+            <a:avLst/>
+          </a:prstGeom>
+        </p:spPr>
+        <p:txBody>
+          <a:bodyPr anchorCtr="0" anchor="t" bIns="91425" lIns="91425" spcFirstLastPara="1" rIns="91425" wrap="square" tIns="91425">
+            <a:noAutofit/>
+          </a:bodyPr>
+          <a:lstStyle/>
+          <a:p>
+            <a:pPr indent="0" lvl="0" marL="0" rtl="0" algn="l">
+              <a:spcBef>
+                <a:spcPts val="0"/>
+              </a:spcBef>
+              <a:spcAft>
                 <a:spcPts val="1600"/>
+              </a:spcAft>
+              <a:buNone/>
+            </a:pPr>
+            <a:r>
+              <a:t/>
+            </a:r>
+            <a:endParaRPr/>
+          </a:p>
+        </p:txBody>
+      </p:sp>
+      <p:sp>
+        <p:nvSpPr>
+          <p:cNvPr id="148" name="Google Shape;148;p27"/>
+          <p:cNvSpPr txBox="1"/>
+          <p:nvPr/>
+        </p:nvSpPr>
+        <p:spPr>
+          <a:xfrm>
+            <a:off x="4914000" y="167075"/>
+            <a:ext cx="4122000" cy="931500"/>
+          </a:xfrm>
+          <a:prstGeom prst="rect">
+            <a:avLst/>
+          </a:prstGeom>
+          <a:noFill/>
+          <a:ln>
+            <a:noFill/>
+          </a:ln>
+        </p:spPr>
+        <p:txBody>
+          <a:bodyPr anchorCtr="0" anchor="t" bIns="91425" lIns="91425" spcFirstLastPara="1" rIns="91425" wrap="square" tIns="91425">
+            <a:noAutofit/>
+          </a:bodyPr>
+          <a:lstStyle/>
+          <a:p>
+            <a:pPr indent="0" lvl="0" marL="0" rtl="0" algn="l">
+              <a:spcBef>
+                <a:spcPts val="0"/>
+              </a:spcBef>
+              <a:spcAft>
+                <a:spcPts val="0"/>
+              </a:spcAft>
+              <a:buNone/>
+            </a:pPr>
+            <a:r>
+              <a:rPr lang="en" sz="2400"/>
+              <a:t>What’s the probability of a Flush? (All the same suit, but no matching values)</a:t>
+            </a:r>
+            <a:endParaRPr sz="2400"/>
+          </a:p>
+        </p:txBody>
+      </p:sp>
+      <p:sp>
+        <p:nvSpPr>
+          <p:cNvPr id="149" name="Google Shape;149;p27"/>
+          <p:cNvSpPr txBox="1"/>
+          <p:nvPr/>
+        </p:nvSpPr>
+        <p:spPr>
+          <a:xfrm>
+            <a:off x="4770000" y="1337075"/>
+            <a:ext cx="4194000" cy="3276000"/>
+          </a:xfrm>
+          <a:prstGeom prst="rect">
+            <a:avLst/>
+          </a:prstGeom>
+          <a:noFill/>
+          <a:ln>
+            <a:noFill/>
+          </a:ln>
+        </p:spPr>
+        <p:txBody>
+          <a:bodyPr anchorCtr="0" anchor="t" bIns="91425" lIns="91425" spcFirstLastPara="1" rIns="91425" wrap="square" tIns="91425">
+            <a:noAutofit/>
+          </a:bodyPr>
+          <a:lstStyle/>
+          <a:p>
+            <a:pPr indent="0" lvl="0" marL="0" rtl="0" algn="l">
+              <a:spcBef>
+                <a:spcPts val="0"/>
+              </a:spcBef>
+              <a:spcAft>
+                <a:spcPts val="0"/>
               </a:spcAft>
               <a:buNone/>
             </a:pPr>

--- a/Permutations and Combinations/Permutations, Combinations, and Zombies.pptx
+++ b/Permutations and Combinations/Permutations, Combinations, and Zombies.pptx
@@ -1115,7 +1115,7 @@
       </p:grpSpPr>
       <p:sp>
         <p:nvSpPr>
-          <p:cNvPr id="129" name="Google Shape;129;g6579b27752_0_65:notes"/>
+          <p:cNvPr id="129" name="Google Shape;129;g6579b27752_0_85:notes"/>
           <p:cNvSpPr/>
           <p:nvPr>
             <p:ph idx="2" type="sldImg"/>
@@ -1150,7 +1150,7 @@
       </p:sp>
       <p:sp>
         <p:nvSpPr>
-          <p:cNvPr id="130" name="Google Shape;130;g6579b27752_0_65:notes"/>
+          <p:cNvPr id="130" name="Google Shape;130;g6579b27752_0_85:notes"/>
           <p:cNvSpPr txBox="1"/>
           <p:nvPr>
             <p:ph idx="1" type="body"/>
@@ -1200,7 +1200,7 @@
   <p:cSld>
     <p:spTree>
       <p:nvGrpSpPr>
-        <p:cNvPr id="135" name="Shape 135"/>
+        <p:cNvPr id="133" name="Shape 133"/>
         <p:cNvGrpSpPr/>
         <p:nvPr/>
       </p:nvGrpSpPr>
@@ -1214,7 +1214,7 @@
       </p:grpSpPr>
       <p:sp>
         <p:nvSpPr>
-          <p:cNvPr id="136" name="Google Shape;136;g6579b27752_0_85:notes"/>
+          <p:cNvPr id="134" name="Google Shape;134;g6579b27752_0_65:notes"/>
           <p:cNvSpPr/>
           <p:nvPr>
             <p:ph idx="2" type="sldImg"/>
@@ -1249,7 +1249,7 @@
       </p:sp>
       <p:sp>
         <p:nvSpPr>
-          <p:cNvPr id="137" name="Google Shape;137;g6579b27752_0_85:notes"/>
+          <p:cNvPr id="135" name="Google Shape;135;g6579b27752_0_65:notes"/>
           <p:cNvSpPr txBox="1"/>
           <p:nvPr>
             <p:ph idx="1" type="body"/>
@@ -1299,7 +1299,7 @@
   <p:cSld>
     <p:spTree>
       <p:nvGrpSpPr>
-        <p:cNvPr id="142" name="Shape 142"/>
+        <p:cNvPr id="138" name="Shape 138"/>
         <p:cNvGrpSpPr/>
         <p:nvPr/>
       </p:nvGrpSpPr>
@@ -1313,7 +1313,7 @@
       </p:grpSpPr>
       <p:sp>
         <p:nvSpPr>
-          <p:cNvPr id="143" name="Google Shape;143;g6579b27752_0_72:notes"/>
+          <p:cNvPr id="139" name="Google Shape;139;g6579b27752_0_72:notes"/>
           <p:cNvSpPr/>
           <p:nvPr>
             <p:ph idx="2" type="sldImg"/>
@@ -1348,7 +1348,7 @@
       </p:sp>
       <p:sp>
         <p:nvSpPr>
-          <p:cNvPr id="144" name="Google Shape;144;g6579b27752_0_72:notes"/>
+          <p:cNvPr id="140" name="Google Shape;140;g6579b27752_0_72:notes"/>
           <p:cNvSpPr txBox="1"/>
           <p:nvPr>
             <p:ph idx="1" type="body"/>
@@ -7468,212 +7468,12 @@
             </a:pPr>
             <a:r>
               <a:rPr lang="en"/>
-              <a:t>What’s the probability of getting Four of a Kind? </a:t>
+              <a:t>What’s the probability of Three of a Kind?</a:t>
             </a:r>
             <a:endParaRPr/>
           </a:p>
         </p:txBody>
       </p:sp>
-      <p:sp>
-        <p:nvSpPr>
-          <p:cNvPr id="133" name="Google Shape;133;p25"/>
-          <p:cNvSpPr txBox="1"/>
-          <p:nvPr>
-            <p:ph idx="1" type="body"/>
-          </p:nvPr>
-        </p:nvSpPr>
-        <p:spPr>
-          <a:xfrm>
-            <a:off x="311700" y="1152475"/>
-            <a:ext cx="8520600" cy="3416400"/>
-          </a:xfrm>
-          <a:prstGeom prst="rect">
-            <a:avLst/>
-          </a:prstGeom>
-        </p:spPr>
-        <p:txBody>
-          <a:bodyPr anchorCtr="0" anchor="t" bIns="91425" lIns="91425" spcFirstLastPara="1" rIns="91425" wrap="square" tIns="91425">
-            <a:noAutofit/>
-          </a:bodyPr>
-          <a:lstStyle/>
-          <a:p>
-            <a:pPr indent="-342900" lvl="0" marL="457200" rtl="0" algn="l">
-              <a:spcBef>
-                <a:spcPts val="0"/>
-              </a:spcBef>
-              <a:spcAft>
-                <a:spcPts val="0"/>
-              </a:spcAft>
-              <a:buSzPts val="1800"/>
-              <a:buChar char="●"/>
-            </a:pPr>
-            <a:r>
-              <a:rPr lang="en"/>
-              <a:t>First, how many different 5-card hands are there? </a:t>
-            </a:r>
-            <a:endParaRPr/>
-          </a:p>
-          <a:p>
-            <a:pPr indent="-342900" lvl="1" marL="914400" rtl="0" algn="l">
-              <a:spcBef>
-                <a:spcPts val="0"/>
-              </a:spcBef>
-              <a:spcAft>
-                <a:spcPts val="0"/>
-              </a:spcAft>
-              <a:buSzPts val="1800"/>
-              <a:buChar char="○"/>
-            </a:pPr>
-            <a:r>
-              <a:rPr lang="en" sz="1800"/>
-              <a:t>C(52, 5) = 1,598,9604</a:t>
-            </a:r>
-            <a:endParaRPr sz="1800"/>
-          </a:p>
-          <a:p>
-            <a:pPr indent="-342900" lvl="1" marL="914400" rtl="0" algn="l">
-              <a:spcBef>
-                <a:spcPts val="0"/>
-              </a:spcBef>
-              <a:spcAft>
-                <a:spcPts val="0"/>
-              </a:spcAft>
-              <a:buSzPts val="1800"/>
-              <a:buChar char="○"/>
-            </a:pPr>
-            <a:r>
-              <a:rPr lang="en" sz="1800"/>
-              <a:t>We’ll use this as our denominator for all poker hand probabilities</a:t>
-            </a:r>
-            <a:endParaRPr sz="1800"/>
-          </a:p>
-          <a:p>
-            <a:pPr indent="-342900" lvl="0" marL="457200" rtl="0" algn="l">
-              <a:spcBef>
-                <a:spcPts val="0"/>
-              </a:spcBef>
-              <a:spcAft>
-                <a:spcPts val="0"/>
-              </a:spcAft>
-              <a:buSzPts val="1800"/>
-              <a:buChar char="●"/>
-            </a:pPr>
-            <a:r>
-              <a:rPr lang="en"/>
-              <a:t>This hand consists of on value out of 13, but in all four suits. Then, it has another card and it doesn’t matter what that card is. </a:t>
-            </a:r>
-            <a:endParaRPr/>
-          </a:p>
-          <a:p>
-            <a:pPr indent="-342900" lvl="0" marL="457200" rtl="0" algn="l">
-              <a:spcBef>
-                <a:spcPts val="0"/>
-              </a:spcBef>
-              <a:spcAft>
-                <a:spcPts val="0"/>
-              </a:spcAft>
-              <a:buSzPts val="1800"/>
-              <a:buChar char="●"/>
-            </a:pPr>
-            <a:r>
-              <a:rPr lang="en"/>
-              <a:t>Choose the value: C(13, 1) and then choose all four suits: C(4, 4). Lastly, choose a value for the fifth card and a suit for that value: C(12, 1) and C(4,1).</a:t>
-            </a:r>
-            <a:endParaRPr/>
-          </a:p>
-          <a:p>
-            <a:pPr indent="-342900" lvl="0" marL="457200" rtl="0" algn="l">
-              <a:spcBef>
-                <a:spcPts val="0"/>
-              </a:spcBef>
-              <a:spcAft>
-                <a:spcPts val="0"/>
-              </a:spcAft>
-              <a:buSzPts val="1800"/>
-              <a:buChar char="●"/>
-            </a:pPr>
-            <a:r>
-              <a:rPr lang="en"/>
-              <a:t>Multiply all of our choices across the numerator: </a:t>
-            </a:r>
-            <a:endParaRPr/>
-          </a:p>
-          <a:p>
-            <a:pPr indent="-342900" lvl="0" marL="457200" rtl="0" algn="l">
-              <a:spcBef>
-                <a:spcPts val="0"/>
-              </a:spcBef>
-              <a:spcAft>
-                <a:spcPts val="0"/>
-              </a:spcAft>
-              <a:buSzPts val="1800"/>
-              <a:buChar char="●"/>
-            </a:pPr>
-            <a:r>
-              <a:rPr lang="en"/>
-              <a:t>This comes out to 624</a:t>
-            </a:r>
-            <a:endParaRPr/>
-          </a:p>
-          <a:p>
-            <a:pPr indent="-342900" lvl="0" marL="457200" rtl="0" algn="l">
-              <a:spcBef>
-                <a:spcPts val="0"/>
-              </a:spcBef>
-              <a:spcAft>
-                <a:spcPts val="0"/>
-              </a:spcAft>
-              <a:buSzPts val="1800"/>
-              <a:buChar char="●"/>
-            </a:pPr>
-            <a:r>
-              <a:rPr lang="en"/>
-              <a:t>624/</a:t>
-            </a:r>
-            <a:r>
-              <a:rPr lang="en"/>
-              <a:t>1,598,9604 = </a:t>
-            </a:r>
-            <a:r>
-              <a:rPr lang="en">
-                <a:highlight>
-                  <a:srgbClr val="FFFFFF"/>
-                </a:highlight>
-              </a:rPr>
-              <a:t>0.00003902535</a:t>
-            </a:r>
-            <a:endParaRPr/>
-          </a:p>
-        </p:txBody>
-      </p:sp>
-      <p:pic>
-        <p:nvPicPr>
-          <p:cNvPr id="134" name="Google Shape;134;p25"/>
-          <p:cNvPicPr preferRelativeResize="0"/>
-          <p:nvPr/>
-        </p:nvPicPr>
-        <p:blipFill>
-          <a:blip r:embed="rId3">
-            <a:alphaModFix/>
-          </a:blip>
-          <a:stretch>
-            <a:fillRect/>
-          </a:stretch>
-        </p:blipFill>
-        <p:spPr>
-          <a:xfrm>
-            <a:off x="5759550" y="3464025"/>
-            <a:ext cx="2628900" cy="933450"/>
-          </a:xfrm>
-          <a:prstGeom prst="rect">
-            <a:avLst/>
-          </a:prstGeom>
-          <a:noFill/>
-          <a:ln>
-            <a:noFill/>
-          </a:ln>
-        </p:spPr>
-      </p:pic>
     </p:spTree>
   </p:cSld>
   <p:clrMapOvr>
@@ -7687,7 +7487,7 @@
   <p:cSld>
     <p:spTree>
       <p:nvGrpSpPr>
-        <p:cNvPr id="138" name="Shape 138"/>
+        <p:cNvPr id="136" name="Shape 136"/>
         <p:cNvGrpSpPr/>
         <p:nvPr/>
       </p:nvGrpSpPr>
@@ -7701,7 +7501,7 @@
       </p:grpSpPr>
       <p:sp>
         <p:nvSpPr>
-          <p:cNvPr id="139" name="Google Shape;139;p26"/>
+          <p:cNvPr id="137" name="Google Shape;137;p26"/>
           <p:cNvSpPr txBox="1"/>
           <p:nvPr>
             <p:ph type="title"/>
@@ -7733,144 +7533,12 @@
             </a:pPr>
             <a:r>
               <a:rPr lang="en"/>
-              <a:t>What’s the probability of Three of a Kind?</a:t>
+              <a:t>What’s the probability of getting Four of a Kind? </a:t>
             </a:r>
             <a:endParaRPr/>
           </a:p>
         </p:txBody>
       </p:sp>
-      <p:sp>
-        <p:nvSpPr>
-          <p:cNvPr id="140" name="Google Shape;140;p26"/>
-          <p:cNvSpPr txBox="1"/>
-          <p:nvPr>
-            <p:ph idx="1" type="body"/>
-          </p:nvPr>
-        </p:nvSpPr>
-        <p:spPr>
-          <a:xfrm>
-            <a:off x="311700" y="1152475"/>
-            <a:ext cx="8520600" cy="3416400"/>
-          </a:xfrm>
-          <a:prstGeom prst="rect">
-            <a:avLst/>
-          </a:prstGeom>
-        </p:spPr>
-        <p:txBody>
-          <a:bodyPr anchorCtr="0" anchor="t" bIns="91425" lIns="91425" spcFirstLastPara="1" rIns="91425" wrap="square" tIns="91425">
-            <a:noAutofit/>
-          </a:bodyPr>
-          <a:lstStyle/>
-          <a:p>
-            <a:pPr indent="-342900" lvl="0" marL="457200" rtl="0" algn="l">
-              <a:spcBef>
-                <a:spcPts val="0"/>
-              </a:spcBef>
-              <a:spcAft>
-                <a:spcPts val="0"/>
-              </a:spcAft>
-              <a:buSzPts val="1800"/>
-              <a:buChar char="●"/>
-            </a:pPr>
-            <a:r>
-              <a:rPr lang="en"/>
-              <a:t>Choose a value, grab three of the four.</a:t>
-            </a:r>
-            <a:endParaRPr/>
-          </a:p>
-          <a:p>
-            <a:pPr indent="-342900" lvl="0" marL="457200" rtl="0" algn="l">
-              <a:spcBef>
-                <a:spcPts val="0"/>
-              </a:spcBef>
-              <a:spcAft>
-                <a:spcPts val="0"/>
-              </a:spcAft>
-              <a:buSzPts val="1800"/>
-              <a:buChar char="●"/>
-            </a:pPr>
-            <a:r>
-              <a:rPr lang="en"/>
-              <a:t>Choose two other values, grab suits for them.</a:t>
-            </a:r>
-            <a:endParaRPr/>
-          </a:p>
-          <a:p>
-            <a:pPr indent="-342900" lvl="0" marL="457200" rtl="0" algn="l">
-              <a:spcBef>
-                <a:spcPts val="0"/>
-              </a:spcBef>
-              <a:spcAft>
-                <a:spcPts val="0"/>
-              </a:spcAft>
-              <a:buSzPts val="1800"/>
-              <a:buChar char="●"/>
-            </a:pPr>
-            <a:r>
-              <a:rPr lang="en"/>
-              <a:t>This comes out to 54,912</a:t>
-            </a:r>
-            <a:endParaRPr/>
-          </a:p>
-          <a:p>
-            <a:pPr indent="-342900" lvl="0" marL="457200" rtl="0" algn="l">
-              <a:spcBef>
-                <a:spcPts val="0"/>
-              </a:spcBef>
-              <a:spcAft>
-                <a:spcPts val="0"/>
-              </a:spcAft>
-              <a:buSzPts val="1800"/>
-              <a:buChar char="●"/>
-            </a:pPr>
-            <a:r>
-              <a:rPr lang="en"/>
-              <a:t> 54,912/</a:t>
-            </a:r>
-            <a:r>
-              <a:rPr lang="en"/>
-              <a:t>1,598,9604 = </a:t>
-            </a:r>
-            <a:r>
-              <a:rPr lang="en">
-                <a:highlight>
-                  <a:srgbClr val="FFFFFF"/>
-                </a:highlight>
-              </a:rPr>
-              <a:t>0.00343423139</a:t>
-            </a:r>
-            <a:endParaRPr/>
-          </a:p>
-        </p:txBody>
-      </p:sp>
-      <p:pic>
-        <p:nvPicPr>
-          <p:cNvPr id="141" name="Google Shape;141;p26"/>
-          <p:cNvPicPr preferRelativeResize="0"/>
-          <p:nvPr/>
-        </p:nvPicPr>
-        <p:blipFill>
-          <a:blip r:embed="rId3">
-            <a:alphaModFix/>
-          </a:blip>
-          <a:stretch>
-            <a:fillRect/>
-          </a:stretch>
-        </p:blipFill>
-        <p:spPr>
-          <a:xfrm>
-            <a:off x="779025" y="2610475"/>
-            <a:ext cx="3409950" cy="1485900"/>
-          </a:xfrm>
-          <a:prstGeom prst="rect">
-            <a:avLst/>
-          </a:prstGeom>
-          <a:noFill/>
-          <a:ln>
-            <a:noFill/>
-          </a:ln>
-        </p:spPr>
-      </p:pic>
     </p:spTree>
   </p:cSld>
   <p:clrMapOvr>
@@ -7884,7 +7552,7 @@
   <p:cSld>
     <p:spTree>
       <p:nvGrpSpPr>
-        <p:cNvPr id="145" name="Shape 145"/>
+        <p:cNvPr id="141" name="Shape 141"/>
         <p:cNvGrpSpPr/>
         <p:nvPr/>
       </p:nvGrpSpPr>
@@ -7898,7 +7566,7 @@
       </p:grpSpPr>
       <p:sp>
         <p:nvSpPr>
-          <p:cNvPr id="146" name="Google Shape;146;p27"/>
+          <p:cNvPr id="142" name="Google Shape;142;p27"/>
           <p:cNvSpPr txBox="1"/>
           <p:nvPr>
             <p:ph type="title"/>
@@ -7938,7 +7606,7 @@
       </p:sp>
       <p:sp>
         <p:nvSpPr>
-          <p:cNvPr id="147" name="Google Shape;147;p27"/>
+          <p:cNvPr id="143" name="Google Shape;143;p27"/>
           <p:cNvSpPr txBox="1"/>
           <p:nvPr>
             <p:ph idx="1" type="body"/>
@@ -7977,7 +7645,7 @@
       </p:sp>
       <p:sp>
         <p:nvSpPr>
-          <p:cNvPr id="148" name="Google Shape;148;p27"/>
+          <p:cNvPr id="144" name="Google Shape;144;p27"/>
           <p:cNvSpPr txBox="1"/>
           <p:nvPr/>
         </p:nvSpPr>
@@ -8011,7 +7679,7 @@
             </a:pPr>
             <a:r>
               <a:rPr lang="en" sz="2400"/>
-              <a:t>What’s the probability of a Flush? (All the same suit, but no matching values)</a:t>
+              <a:t>What’s the probability of a Royal Flush? (10, J, Q, K, A of the same suit)</a:t>
             </a:r>
             <a:endParaRPr sz="2400"/>
           </a:p>
@@ -8019,7 +7687,7 @@
       </p:sp>
       <p:sp>
         <p:nvSpPr>
-          <p:cNvPr id="149" name="Google Shape;149;p27"/>
+          <p:cNvPr id="145" name="Google Shape;145;p27"/>
           <p:cNvSpPr txBox="1"/>
           <p:nvPr/>
         </p:nvSpPr>
